--- a/Introduction to Arduino.pptx
+++ b/Introduction to Arduino.pptx
@@ -178,7 +178,7 @@
           <a:noFill/>
           <a:extLst>
             <a:ext uri="{909E8E84-426E-40dd-AFC4-6F175D3DCCD1}">
-              <a14:hiddenFill xmlns="" xmlns:a14="http://schemas.microsoft.com/office/drawing/2010/main">
+              <a14:hiddenFill xmlns:a14="http://schemas.microsoft.com/office/drawing/2010/main" xmlns="">
                 <a:solidFill>
                   <a:srgbClr val="FFFFFF"/>
                 </a:solidFill>
@@ -237,7 +237,7 @@
             </a:ln>
             <a:extLst>
               <a:ext uri="{91240B29-F687-4f45-9708-019B960494DF}">
-                <a14:hiddenLine xmlns="" xmlns:a14="http://schemas.microsoft.com/office/drawing/2010/main" w="9525">
+                <a14:hiddenLine xmlns:a14="http://schemas.microsoft.com/office/drawing/2010/main" xmlns="" w="9525">
                   <a:solidFill>
                     <a:srgbClr val="000000"/>
                   </a:solidFill>
@@ -327,7 +327,7 @@
             </a:ln>
             <a:extLst>
               <a:ext uri="{91240B29-F687-4f45-9708-019B960494DF}">
-                <a14:hiddenLine xmlns="" xmlns:a14="http://schemas.microsoft.com/office/drawing/2010/main" w="9525">
+                <a14:hiddenLine xmlns:a14="http://schemas.microsoft.com/office/drawing/2010/main" xmlns="" w="9525">
                   <a:solidFill>
                     <a:srgbClr val="000000"/>
                   </a:solidFill>
@@ -417,7 +417,7 @@
             </a:ln>
             <a:extLst>
               <a:ext uri="{91240B29-F687-4f45-9708-019B960494DF}">
-                <a14:hiddenLine xmlns="" xmlns:a14="http://schemas.microsoft.com/office/drawing/2010/main" w="9525">
+                <a14:hiddenLine xmlns:a14="http://schemas.microsoft.com/office/drawing/2010/main" xmlns="" w="9525">
                   <a:solidFill>
                     <a:srgbClr val="000000"/>
                   </a:solidFill>
@@ -451,7 +451,7 @@
             </a:ln>
             <a:extLst>
               <a:ext uri="{91240B29-F687-4f45-9708-019B960494DF}">
-                <a14:hiddenLine xmlns="" xmlns:a14="http://schemas.microsoft.com/office/drawing/2010/main" w="9525">
+                <a14:hiddenLine xmlns:a14="http://schemas.microsoft.com/office/drawing/2010/main" xmlns="" w="9525">
                   <a:solidFill>
                     <a:srgbClr val="000000"/>
                   </a:solidFill>
@@ -541,7 +541,7 @@
             </a:ln>
             <a:extLst>
               <a:ext uri="{91240B29-F687-4f45-9708-019B960494DF}">
-                <a14:hiddenLine xmlns="" xmlns:a14="http://schemas.microsoft.com/office/drawing/2010/main" w="9525">
+                <a14:hiddenLine xmlns:a14="http://schemas.microsoft.com/office/drawing/2010/main" xmlns="" w="9525">
                   <a:solidFill>
                     <a:srgbClr val="000000"/>
                   </a:solidFill>
@@ -603,7 +603,7 @@
             </a:ln>
             <a:extLst>
               <a:ext uri="{91240B29-F687-4f45-9708-019B960494DF}">
-                <a14:hiddenLine xmlns="" xmlns:a14="http://schemas.microsoft.com/office/drawing/2010/main" w="9525">
+                <a14:hiddenLine xmlns:a14="http://schemas.microsoft.com/office/drawing/2010/main" xmlns="" w="9525">
                   <a:solidFill>
                     <a:srgbClr val="000000"/>
                   </a:solidFill>
@@ -665,7 +665,7 @@
             </a:ln>
             <a:extLst>
               <a:ext uri="{91240B29-F687-4f45-9708-019B960494DF}">
-                <a14:hiddenLine xmlns="" xmlns:a14="http://schemas.microsoft.com/office/drawing/2010/main" w="9525">
+                <a14:hiddenLine xmlns:a14="http://schemas.microsoft.com/office/drawing/2010/main" xmlns="" w="9525">
                   <a:solidFill>
                     <a:srgbClr val="000000"/>
                   </a:solidFill>
@@ -755,7 +755,7 @@
             </a:ln>
             <a:extLst>
               <a:ext uri="{91240B29-F687-4f45-9708-019B960494DF}">
-                <a14:hiddenLine xmlns="" xmlns:a14="http://schemas.microsoft.com/office/drawing/2010/main" w="9525">
+                <a14:hiddenLine xmlns:a14="http://schemas.microsoft.com/office/drawing/2010/main" xmlns="" w="9525">
                   <a:solidFill>
                     <a:srgbClr val="000000"/>
                   </a:solidFill>
@@ -817,7 +817,7 @@
             </a:ln>
             <a:extLst>
               <a:ext uri="{91240B29-F687-4f45-9708-019B960494DF}">
-                <a14:hiddenLine xmlns="" xmlns:a14="http://schemas.microsoft.com/office/drawing/2010/main" w="9525">
+                <a14:hiddenLine xmlns:a14="http://schemas.microsoft.com/office/drawing/2010/main" xmlns="" w="9525">
                   <a:solidFill>
                     <a:srgbClr val="000000"/>
                   </a:solidFill>
@@ -879,7 +879,7 @@
             </a:ln>
             <a:extLst>
               <a:ext uri="{91240B29-F687-4f45-9708-019B960494DF}">
-                <a14:hiddenLine xmlns="" xmlns:a14="http://schemas.microsoft.com/office/drawing/2010/main" w="9525">
+                <a14:hiddenLine xmlns:a14="http://schemas.microsoft.com/office/drawing/2010/main" xmlns="" w="9525">
                   <a:solidFill>
                     <a:srgbClr val="000000"/>
                   </a:solidFill>
@@ -969,7 +969,7 @@
             </a:ln>
             <a:extLst>
               <a:ext uri="{91240B29-F687-4f45-9708-019B960494DF}">
-                <a14:hiddenLine xmlns="" xmlns:a14="http://schemas.microsoft.com/office/drawing/2010/main" w="9525">
+                <a14:hiddenLine xmlns:a14="http://schemas.microsoft.com/office/drawing/2010/main" xmlns="" w="9525">
                   <a:solidFill>
                     <a:srgbClr val="000000"/>
                   </a:solidFill>
@@ -1059,7 +1059,7 @@
             </a:ln>
             <a:extLst>
               <a:ext uri="{91240B29-F687-4f45-9708-019B960494DF}">
-                <a14:hiddenLine xmlns="" xmlns:a14="http://schemas.microsoft.com/office/drawing/2010/main" w="9525">
+                <a14:hiddenLine xmlns:a14="http://schemas.microsoft.com/office/drawing/2010/main" xmlns="" w="9525">
                   <a:solidFill>
                     <a:srgbClr val="000000"/>
                   </a:solidFill>
@@ -1121,7 +1121,7 @@
             </a:ln>
             <a:extLst>
               <a:ext uri="{91240B29-F687-4f45-9708-019B960494DF}">
-                <a14:hiddenLine xmlns="" xmlns:a14="http://schemas.microsoft.com/office/drawing/2010/main" w="9525">
+                <a14:hiddenLine xmlns:a14="http://schemas.microsoft.com/office/drawing/2010/main" xmlns="" w="9525">
                   <a:solidFill>
                     <a:srgbClr val="000000"/>
                   </a:solidFill>
@@ -1231,7 +1231,7 @@
             </a:ln>
             <a:extLst>
               <a:ext uri="{91240B29-F687-4f45-9708-019B960494DF}">
-                <a14:hiddenLine xmlns="" xmlns:a14="http://schemas.microsoft.com/office/drawing/2010/main" w="9525">
+                <a14:hiddenLine xmlns:a14="http://schemas.microsoft.com/office/drawing/2010/main" xmlns="" w="9525">
                   <a:solidFill>
                     <a:srgbClr val="000000"/>
                   </a:solidFill>
@@ -1293,7 +1293,7 @@
             </a:ln>
             <a:extLst>
               <a:ext uri="{91240B29-F687-4f45-9708-019B960494DF}">
-                <a14:hiddenLine xmlns="" xmlns:a14="http://schemas.microsoft.com/office/drawing/2010/main" w="9525">
+                <a14:hiddenLine xmlns:a14="http://schemas.microsoft.com/office/drawing/2010/main" xmlns="" w="9525">
                   <a:solidFill>
                     <a:srgbClr val="000000"/>
                   </a:solidFill>
@@ -1383,7 +1383,7 @@
             </a:ln>
             <a:extLst>
               <a:ext uri="{91240B29-F687-4f45-9708-019B960494DF}">
-                <a14:hiddenLine xmlns="" xmlns:a14="http://schemas.microsoft.com/office/drawing/2010/main" w="9525">
+                <a14:hiddenLine xmlns:a14="http://schemas.microsoft.com/office/drawing/2010/main" xmlns="" w="9525">
                   <a:solidFill>
                     <a:srgbClr val="000000"/>
                   </a:solidFill>
@@ -1473,7 +1473,7 @@
             </a:ln>
             <a:extLst>
               <a:ext uri="{91240B29-F687-4f45-9708-019B960494DF}">
-                <a14:hiddenLine xmlns="" xmlns:a14="http://schemas.microsoft.com/office/drawing/2010/main" w="9525">
+                <a14:hiddenLine xmlns:a14="http://schemas.microsoft.com/office/drawing/2010/main" xmlns="" w="9525">
                   <a:solidFill>
                     <a:srgbClr val="000000"/>
                   </a:solidFill>
@@ -1535,7 +1535,7 @@
             </a:ln>
             <a:extLst>
               <a:ext uri="{91240B29-F687-4f45-9708-019B960494DF}">
-                <a14:hiddenLine xmlns="" xmlns:a14="http://schemas.microsoft.com/office/drawing/2010/main" w="9525">
+                <a14:hiddenLine xmlns:a14="http://schemas.microsoft.com/office/drawing/2010/main" xmlns="" w="9525">
                   <a:solidFill>
                     <a:srgbClr val="000000"/>
                   </a:solidFill>
@@ -1625,7 +1625,7 @@
             </a:ln>
             <a:extLst>
               <a:ext uri="{91240B29-F687-4f45-9708-019B960494DF}">
-                <a14:hiddenLine xmlns="" xmlns:a14="http://schemas.microsoft.com/office/drawing/2010/main" w="9525">
+                <a14:hiddenLine xmlns:a14="http://schemas.microsoft.com/office/drawing/2010/main" xmlns="" w="9525">
                   <a:solidFill>
                     <a:srgbClr val="000000"/>
                   </a:solidFill>
@@ -1715,7 +1715,7 @@
             </a:ln>
             <a:extLst>
               <a:ext uri="{91240B29-F687-4f45-9708-019B960494DF}">
-                <a14:hiddenLine xmlns="" xmlns:a14="http://schemas.microsoft.com/office/drawing/2010/main" w="9525">
+                <a14:hiddenLine xmlns:a14="http://schemas.microsoft.com/office/drawing/2010/main" xmlns="" w="9525">
                   <a:solidFill>
                     <a:srgbClr val="000000"/>
                   </a:solidFill>
@@ -1771,7 +1771,7 @@
             </a:ln>
             <a:extLst>
               <a:ext uri="{91240B29-F687-4f45-9708-019B960494DF}">
-                <a14:hiddenLine xmlns="" xmlns:a14="http://schemas.microsoft.com/office/drawing/2010/main" w="9525">
+                <a14:hiddenLine xmlns:a14="http://schemas.microsoft.com/office/drawing/2010/main" xmlns="" w="9525">
                   <a:solidFill>
                     <a:srgbClr val="000000"/>
                   </a:solidFill>
@@ -1861,7 +1861,7 @@
             </a:ln>
             <a:extLst>
               <a:ext uri="{91240B29-F687-4f45-9708-019B960494DF}">
-                <a14:hiddenLine xmlns="" xmlns:a14="http://schemas.microsoft.com/office/drawing/2010/main" w="9525">
+                <a14:hiddenLine xmlns:a14="http://schemas.microsoft.com/office/drawing/2010/main" xmlns="" w="9525">
                   <a:solidFill>
                     <a:srgbClr val="000000"/>
                   </a:solidFill>
@@ -1917,7 +1917,7 @@
             </a:ln>
             <a:extLst>
               <a:ext uri="{91240B29-F687-4f45-9708-019B960494DF}">
-                <a14:hiddenLine xmlns="" xmlns:a14="http://schemas.microsoft.com/office/drawing/2010/main" w="9525">
+                <a14:hiddenLine xmlns:a14="http://schemas.microsoft.com/office/drawing/2010/main" xmlns="" w="9525">
                   <a:solidFill>
                     <a:srgbClr val="000000"/>
                   </a:solidFill>
@@ -2007,7 +2007,7 @@
             </a:ln>
             <a:extLst>
               <a:ext uri="{91240B29-F687-4f45-9708-019B960494DF}">
-                <a14:hiddenLine xmlns="" xmlns:a14="http://schemas.microsoft.com/office/drawing/2010/main" w="9525">
+                <a14:hiddenLine xmlns:a14="http://schemas.microsoft.com/office/drawing/2010/main" xmlns="" w="9525">
                   <a:solidFill>
                     <a:srgbClr val="000000"/>
                   </a:solidFill>
@@ -2075,7 +2075,7 @@
             </a:ln>
             <a:extLst>
               <a:ext uri="{91240B29-F687-4f45-9708-019B960494DF}">
-                <a14:hiddenLine xmlns="" xmlns:a14="http://schemas.microsoft.com/office/drawing/2010/main" w="9525">
+                <a14:hiddenLine xmlns:a14="http://schemas.microsoft.com/office/drawing/2010/main" xmlns="" w="9525">
                   <a:solidFill>
                     <a:srgbClr val="000000"/>
                   </a:solidFill>
@@ -2165,7 +2165,7 @@
             </a:ln>
             <a:extLst>
               <a:ext uri="{91240B29-F687-4f45-9708-019B960494DF}">
-                <a14:hiddenLine xmlns="" xmlns:a14="http://schemas.microsoft.com/office/drawing/2010/main" w="9525">
+                <a14:hiddenLine xmlns:a14="http://schemas.microsoft.com/office/drawing/2010/main" xmlns="" w="9525">
                   <a:solidFill>
                     <a:srgbClr val="000000"/>
                   </a:solidFill>
@@ -2233,7 +2233,7 @@
             </a:ln>
             <a:extLst>
               <a:ext uri="{91240B29-F687-4f45-9708-019B960494DF}">
-                <a14:hiddenLine xmlns="" xmlns:a14="http://schemas.microsoft.com/office/drawing/2010/main" w="9525">
+                <a14:hiddenLine xmlns:a14="http://schemas.microsoft.com/office/drawing/2010/main" xmlns="" w="9525">
                   <a:solidFill>
                     <a:srgbClr val="000000"/>
                   </a:solidFill>
@@ -2323,7 +2323,7 @@
             </a:ln>
             <a:extLst>
               <a:ext uri="{91240B29-F687-4f45-9708-019B960494DF}">
-                <a14:hiddenLine xmlns="" xmlns:a14="http://schemas.microsoft.com/office/drawing/2010/main" w="9525">
+                <a14:hiddenLine xmlns:a14="http://schemas.microsoft.com/office/drawing/2010/main" xmlns="" w="9525">
                   <a:solidFill>
                     <a:srgbClr val="000000"/>
                   </a:solidFill>
@@ -2357,7 +2357,7 @@
             </a:ln>
             <a:extLst>
               <a:ext uri="{91240B29-F687-4f45-9708-019B960494DF}">
-                <a14:hiddenLine xmlns="" xmlns:a14="http://schemas.microsoft.com/office/drawing/2010/main" w="9525">
+                <a14:hiddenLine xmlns:a14="http://schemas.microsoft.com/office/drawing/2010/main" xmlns="" w="9525">
                   <a:solidFill>
                     <a:srgbClr val="000000"/>
                   </a:solidFill>
@@ -2447,7 +2447,7 @@
             </a:ln>
             <a:extLst>
               <a:ext uri="{91240B29-F687-4f45-9708-019B960494DF}">
-                <a14:hiddenLine xmlns="" xmlns:a14="http://schemas.microsoft.com/office/drawing/2010/main" w="9525">
+                <a14:hiddenLine xmlns:a14="http://schemas.microsoft.com/office/drawing/2010/main" xmlns="" w="9525">
                   <a:solidFill>
                     <a:srgbClr val="000000"/>
                   </a:solidFill>
@@ -2509,7 +2509,7 @@
             </a:ln>
             <a:extLst>
               <a:ext uri="{91240B29-F687-4f45-9708-019B960494DF}">
-                <a14:hiddenLine xmlns="" xmlns:a14="http://schemas.microsoft.com/office/drawing/2010/main" w="9525">
+                <a14:hiddenLine xmlns:a14="http://schemas.microsoft.com/office/drawing/2010/main" xmlns="" w="9525">
                   <a:solidFill>
                     <a:srgbClr val="000000"/>
                   </a:solidFill>
@@ -2571,7 +2571,7 @@
             </a:ln>
             <a:extLst>
               <a:ext uri="{91240B29-F687-4f45-9708-019B960494DF}">
-                <a14:hiddenLine xmlns="" xmlns:a14="http://schemas.microsoft.com/office/drawing/2010/main" w="9525">
+                <a14:hiddenLine xmlns:a14="http://schemas.microsoft.com/office/drawing/2010/main" xmlns="" w="9525">
                   <a:solidFill>
                     <a:srgbClr val="000000"/>
                   </a:solidFill>
@@ -2661,7 +2661,7 @@
             </a:ln>
             <a:extLst>
               <a:ext uri="{91240B29-F687-4f45-9708-019B960494DF}">
-                <a14:hiddenLine xmlns="" xmlns:a14="http://schemas.microsoft.com/office/drawing/2010/main" w="9525">
+                <a14:hiddenLine xmlns:a14="http://schemas.microsoft.com/office/drawing/2010/main" xmlns="" w="9525">
                   <a:solidFill>
                     <a:srgbClr val="000000"/>
                   </a:solidFill>
@@ -2729,7 +2729,7 @@
             </a:ln>
             <a:extLst>
               <a:ext uri="{91240B29-F687-4f45-9708-019B960494DF}">
-                <a14:hiddenLine xmlns="" xmlns:a14="http://schemas.microsoft.com/office/drawing/2010/main" w="9525">
+                <a14:hiddenLine xmlns:a14="http://schemas.microsoft.com/office/drawing/2010/main" xmlns="" w="9525">
                   <a:solidFill>
                     <a:srgbClr val="000000"/>
                   </a:solidFill>
@@ -2791,7 +2791,7 @@
             </a:ln>
             <a:extLst>
               <a:ext uri="{91240B29-F687-4f45-9708-019B960494DF}">
-                <a14:hiddenLine xmlns="" xmlns:a14="http://schemas.microsoft.com/office/drawing/2010/main" w="9525">
+                <a14:hiddenLine xmlns:a14="http://schemas.microsoft.com/office/drawing/2010/main" xmlns="" w="9525">
                   <a:solidFill>
                     <a:srgbClr val="000000"/>
                   </a:solidFill>
@@ -2881,7 +2881,7 @@
             </a:ln>
             <a:extLst>
               <a:ext uri="{91240B29-F687-4f45-9708-019B960494DF}">
-                <a14:hiddenLine xmlns="" xmlns:a14="http://schemas.microsoft.com/office/drawing/2010/main" w="9525">
+                <a14:hiddenLine xmlns:a14="http://schemas.microsoft.com/office/drawing/2010/main" xmlns="" w="9525">
                   <a:solidFill>
                     <a:srgbClr val="000000"/>
                   </a:solidFill>
@@ -2943,7 +2943,7 @@
             </a:ln>
             <a:extLst>
               <a:ext uri="{91240B29-F687-4f45-9708-019B960494DF}">
-                <a14:hiddenLine xmlns="" xmlns:a14="http://schemas.microsoft.com/office/drawing/2010/main" w="9525">
+                <a14:hiddenLine xmlns:a14="http://schemas.microsoft.com/office/drawing/2010/main" xmlns="" w="9525">
                   <a:solidFill>
                     <a:srgbClr val="000000"/>
                   </a:solidFill>
@@ -3033,7 +3033,7 @@
             </a:ln>
             <a:extLst>
               <a:ext uri="{91240B29-F687-4f45-9708-019B960494DF}">
-                <a14:hiddenLine xmlns="" xmlns:a14="http://schemas.microsoft.com/office/drawing/2010/main" w="9525">
+                <a14:hiddenLine xmlns:a14="http://schemas.microsoft.com/office/drawing/2010/main" xmlns="" w="9525">
                   <a:solidFill>
                     <a:srgbClr val="000000"/>
                   </a:solidFill>
@@ -3095,7 +3095,7 @@
             </a:ln>
             <a:extLst>
               <a:ext uri="{91240B29-F687-4f45-9708-019B960494DF}">
-                <a14:hiddenLine xmlns="" xmlns:a14="http://schemas.microsoft.com/office/drawing/2010/main" w="9525">
+                <a14:hiddenLine xmlns:a14="http://schemas.microsoft.com/office/drawing/2010/main" xmlns="" w="9525">
                   <a:solidFill>
                     <a:srgbClr val="000000"/>
                   </a:solidFill>
@@ -3185,7 +3185,7 @@
             </a:ln>
             <a:extLst>
               <a:ext uri="{91240B29-F687-4f45-9708-019B960494DF}">
-                <a14:hiddenLine xmlns="" xmlns:a14="http://schemas.microsoft.com/office/drawing/2010/main" w="9525">
+                <a14:hiddenLine xmlns:a14="http://schemas.microsoft.com/office/drawing/2010/main" xmlns="" w="9525">
                   <a:solidFill>
                     <a:srgbClr val="000000"/>
                   </a:solidFill>
@@ -3219,7 +3219,7 @@
             </a:ln>
             <a:extLst>
               <a:ext uri="{91240B29-F687-4f45-9708-019B960494DF}">
-                <a14:hiddenLine xmlns="" xmlns:a14="http://schemas.microsoft.com/office/drawing/2010/main" w="9525">
+                <a14:hiddenLine xmlns:a14="http://schemas.microsoft.com/office/drawing/2010/main" xmlns="" w="9525">
                   <a:solidFill>
                     <a:srgbClr val="000000"/>
                   </a:solidFill>
@@ -3284,7 +3284,7 @@
             </a:ln>
             <a:extLst>
               <a:ext uri="{91240B29-F687-4f45-9708-019B960494DF}">
-                <a14:hiddenLine xmlns="" xmlns:a14="http://schemas.microsoft.com/office/drawing/2010/main" w="9525">
+                <a14:hiddenLine xmlns:a14="http://schemas.microsoft.com/office/drawing/2010/main" xmlns="" w="9525">
                   <a:solidFill>
                     <a:srgbClr val="000000"/>
                   </a:solidFill>
@@ -3374,7 +3374,7 @@
             </a:ln>
             <a:extLst>
               <a:ext uri="{91240B29-F687-4f45-9708-019B960494DF}">
-                <a14:hiddenLine xmlns="" xmlns:a14="http://schemas.microsoft.com/office/drawing/2010/main" w="9525">
+                <a14:hiddenLine xmlns:a14="http://schemas.microsoft.com/office/drawing/2010/main" xmlns="" w="9525">
                   <a:solidFill>
                     <a:srgbClr val="000000"/>
                   </a:solidFill>
@@ -3436,7 +3436,7 @@
             </a:ln>
             <a:extLst>
               <a:ext uri="{91240B29-F687-4f45-9708-019B960494DF}">
-                <a14:hiddenLine xmlns="" xmlns:a14="http://schemas.microsoft.com/office/drawing/2010/main" w="9525">
+                <a14:hiddenLine xmlns:a14="http://schemas.microsoft.com/office/drawing/2010/main" xmlns="" w="9525">
                   <a:solidFill>
                     <a:srgbClr val="000000"/>
                   </a:solidFill>
@@ -3526,7 +3526,7 @@
             </a:ln>
             <a:extLst>
               <a:ext uri="{91240B29-F687-4f45-9708-019B960494DF}">
-                <a14:hiddenLine xmlns="" xmlns:a14="http://schemas.microsoft.com/office/drawing/2010/main" w="9525">
+                <a14:hiddenLine xmlns:a14="http://schemas.microsoft.com/office/drawing/2010/main" xmlns="" w="9525">
                   <a:solidFill>
                     <a:srgbClr val="000000"/>
                   </a:solidFill>
@@ -3616,7 +3616,7 @@
             </a:ln>
             <a:extLst>
               <a:ext uri="{91240B29-F687-4f45-9708-019B960494DF}">
-                <a14:hiddenLine xmlns="" xmlns:a14="http://schemas.microsoft.com/office/drawing/2010/main" w="9525">
+                <a14:hiddenLine xmlns:a14="http://schemas.microsoft.com/office/drawing/2010/main" xmlns="" w="9525">
                   <a:solidFill>
                     <a:srgbClr val="000000"/>
                   </a:solidFill>
@@ -3681,7 +3681,7 @@
             </a:ln>
             <a:extLst>
               <a:ext uri="{91240B29-F687-4f45-9708-019B960494DF}">
-                <a14:hiddenLine xmlns="" xmlns:a14="http://schemas.microsoft.com/office/drawing/2010/main" w="9525">
+                <a14:hiddenLine xmlns:a14="http://schemas.microsoft.com/office/drawing/2010/main" xmlns="" w="9525">
                   <a:solidFill>
                     <a:srgbClr val="000000"/>
                   </a:solidFill>
@@ -3743,7 +3743,7 @@
             </a:ln>
             <a:extLst>
               <a:ext uri="{91240B29-F687-4f45-9708-019B960494DF}">
-                <a14:hiddenLine xmlns="" xmlns:a14="http://schemas.microsoft.com/office/drawing/2010/main" w="9525">
+                <a14:hiddenLine xmlns:a14="http://schemas.microsoft.com/office/drawing/2010/main" xmlns="" w="9525">
                   <a:solidFill>
                     <a:srgbClr val="000000"/>
                   </a:solidFill>
@@ -3833,7 +3833,7 @@
             </a:ln>
             <a:extLst>
               <a:ext uri="{91240B29-F687-4f45-9708-019B960494DF}">
-                <a14:hiddenLine xmlns="" xmlns:a14="http://schemas.microsoft.com/office/drawing/2010/main" w="9525">
+                <a14:hiddenLine xmlns:a14="http://schemas.microsoft.com/office/drawing/2010/main" xmlns="" w="9525">
                   <a:solidFill>
                     <a:srgbClr val="000000"/>
                   </a:solidFill>
@@ -3923,7 +3923,7 @@
             </a:ln>
             <a:extLst>
               <a:ext uri="{91240B29-F687-4f45-9708-019B960494DF}">
-                <a14:hiddenLine xmlns="" xmlns:a14="http://schemas.microsoft.com/office/drawing/2010/main" w="9525">
+                <a14:hiddenLine xmlns:a14="http://schemas.microsoft.com/office/drawing/2010/main" xmlns="" w="9525">
                   <a:solidFill>
                     <a:srgbClr val="000000"/>
                   </a:solidFill>
@@ -3985,7 +3985,7 @@
             </a:ln>
             <a:extLst>
               <a:ext uri="{91240B29-F687-4f45-9708-019B960494DF}">
-                <a14:hiddenLine xmlns="" xmlns:a14="http://schemas.microsoft.com/office/drawing/2010/main" w="9525">
+                <a14:hiddenLine xmlns:a14="http://schemas.microsoft.com/office/drawing/2010/main" xmlns="" w="9525">
                   <a:solidFill>
                     <a:srgbClr val="000000"/>
                   </a:solidFill>
@@ -4105,7 +4105,7 @@
             </a:ln>
             <a:extLst>
               <a:ext uri="{91240B29-F687-4f45-9708-019B960494DF}">
-                <a14:hiddenLine xmlns="" xmlns:a14="http://schemas.microsoft.com/office/drawing/2010/main" w="9525">
+                <a14:hiddenLine xmlns:a14="http://schemas.microsoft.com/office/drawing/2010/main" xmlns="" w="9525">
                   <a:solidFill>
                     <a:srgbClr val="000000"/>
                   </a:solidFill>
@@ -4173,7 +4173,7 @@
             </a:ln>
             <a:extLst>
               <a:ext uri="{91240B29-F687-4f45-9708-019B960494DF}">
-                <a14:hiddenLine xmlns="" xmlns:a14="http://schemas.microsoft.com/office/drawing/2010/main" w="9525">
+                <a14:hiddenLine xmlns:a14="http://schemas.microsoft.com/office/drawing/2010/main" xmlns="" w="9525">
                   <a:solidFill>
                     <a:srgbClr val="000000"/>
                   </a:solidFill>
@@ -4263,7 +4263,7 @@
             </a:ln>
             <a:extLst>
               <a:ext uri="{91240B29-F687-4f45-9708-019B960494DF}">
-                <a14:hiddenLine xmlns="" xmlns:a14="http://schemas.microsoft.com/office/drawing/2010/main" w="9525">
+                <a14:hiddenLine xmlns:a14="http://schemas.microsoft.com/office/drawing/2010/main" xmlns="" w="9525">
                   <a:solidFill>
                     <a:srgbClr val="000000"/>
                   </a:solidFill>
@@ -9077,7 +9077,7 @@
           <a:noFill/>
           <a:extLst>
             <a:ext uri="{909E8E84-426E-40dd-AFC4-6F175D3DCCD1}">
-              <a14:hiddenFill xmlns="" xmlns:a14="http://schemas.microsoft.com/office/drawing/2010/main">
+              <a14:hiddenFill xmlns:a14="http://schemas.microsoft.com/office/drawing/2010/main" xmlns="">
                 <a:solidFill>
                   <a:srgbClr val="FFFFFF"/>
                 </a:solidFill>
@@ -9151,7 +9151,7 @@
               </a:ln>
               <a:extLst>
                 <a:ext uri="{91240B29-F687-4f45-9708-019B960494DF}">
-                  <a14:hiddenLine xmlns="" xmlns:a14="http://schemas.microsoft.com/office/drawing/2010/main" w="9525">
+                  <a14:hiddenLine xmlns:a14="http://schemas.microsoft.com/office/drawing/2010/main" xmlns="" w="9525">
                     <a:solidFill>
                       <a:srgbClr val="000000"/>
                     </a:solidFill>
@@ -9241,7 +9241,7 @@
               </a:ln>
               <a:extLst>
                 <a:ext uri="{91240B29-F687-4f45-9708-019B960494DF}">
-                  <a14:hiddenLine xmlns="" xmlns:a14="http://schemas.microsoft.com/office/drawing/2010/main" w="9525">
+                  <a14:hiddenLine xmlns:a14="http://schemas.microsoft.com/office/drawing/2010/main" xmlns="" w="9525">
                     <a:solidFill>
                       <a:srgbClr val="000000"/>
                     </a:solidFill>
@@ -9331,7 +9331,7 @@
               </a:ln>
               <a:extLst>
                 <a:ext uri="{91240B29-F687-4f45-9708-019B960494DF}">
-                  <a14:hiddenLine xmlns="" xmlns:a14="http://schemas.microsoft.com/office/drawing/2010/main" w="9525">
+                  <a14:hiddenLine xmlns:a14="http://schemas.microsoft.com/office/drawing/2010/main" xmlns="" w="9525">
                     <a:solidFill>
                       <a:srgbClr val="000000"/>
                     </a:solidFill>
@@ -9393,7 +9393,7 @@
               </a:ln>
               <a:extLst>
                 <a:ext uri="{91240B29-F687-4f45-9708-019B960494DF}">
-                  <a14:hiddenLine xmlns="" xmlns:a14="http://schemas.microsoft.com/office/drawing/2010/main" w="9525">
+                  <a14:hiddenLine xmlns:a14="http://schemas.microsoft.com/office/drawing/2010/main" xmlns="" w="9525">
                     <a:solidFill>
                       <a:srgbClr val="000000"/>
                     </a:solidFill>
@@ -9483,7 +9483,7 @@
               </a:ln>
               <a:extLst>
                 <a:ext uri="{91240B29-F687-4f45-9708-019B960494DF}">
-                  <a14:hiddenLine xmlns="" xmlns:a14="http://schemas.microsoft.com/office/drawing/2010/main" w="9525">
+                  <a14:hiddenLine xmlns:a14="http://schemas.microsoft.com/office/drawing/2010/main" xmlns="" w="9525">
                     <a:solidFill>
                       <a:srgbClr val="000000"/>
                     </a:solidFill>
@@ -9545,7 +9545,7 @@
               </a:ln>
               <a:extLst>
                 <a:ext uri="{91240B29-F687-4f45-9708-019B960494DF}">
-                  <a14:hiddenLine xmlns="" xmlns:a14="http://schemas.microsoft.com/office/drawing/2010/main" w="9525">
+                  <a14:hiddenLine xmlns:a14="http://schemas.microsoft.com/office/drawing/2010/main" xmlns="" w="9525">
                     <a:solidFill>
                       <a:srgbClr val="000000"/>
                     </a:solidFill>
@@ -9607,7 +9607,7 @@
               </a:ln>
               <a:extLst>
                 <a:ext uri="{91240B29-F687-4f45-9708-019B960494DF}">
-                  <a14:hiddenLine xmlns="" xmlns:a14="http://schemas.microsoft.com/office/drawing/2010/main" w="9525">
+                  <a14:hiddenLine xmlns:a14="http://schemas.microsoft.com/office/drawing/2010/main" xmlns="" w="9525">
                     <a:solidFill>
                       <a:srgbClr val="000000"/>
                     </a:solidFill>
@@ -9697,7 +9697,7 @@
               </a:ln>
               <a:extLst>
                 <a:ext uri="{91240B29-F687-4f45-9708-019B960494DF}">
-                  <a14:hiddenLine xmlns="" xmlns:a14="http://schemas.microsoft.com/office/drawing/2010/main" w="9525">
+                  <a14:hiddenLine xmlns:a14="http://schemas.microsoft.com/office/drawing/2010/main" xmlns="" w="9525">
                     <a:solidFill>
                       <a:srgbClr val="000000"/>
                     </a:solidFill>
@@ -9787,7 +9787,7 @@
               </a:ln>
               <a:extLst>
                 <a:ext uri="{91240B29-F687-4f45-9708-019B960494DF}">
-                  <a14:hiddenLine xmlns="" xmlns:a14="http://schemas.microsoft.com/office/drawing/2010/main" w="9525">
+                  <a14:hiddenLine xmlns:a14="http://schemas.microsoft.com/office/drawing/2010/main" xmlns="" w="9525">
                     <a:solidFill>
                       <a:srgbClr val="000000"/>
                     </a:solidFill>
@@ -9849,7 +9849,7 @@
               </a:ln>
               <a:extLst>
                 <a:ext uri="{91240B29-F687-4f45-9708-019B960494DF}">
-                  <a14:hiddenLine xmlns="" xmlns:a14="http://schemas.microsoft.com/office/drawing/2010/main" w="9525">
+                  <a14:hiddenLine xmlns:a14="http://schemas.microsoft.com/office/drawing/2010/main" xmlns="" w="9525">
                     <a:solidFill>
                       <a:srgbClr val="000000"/>
                     </a:solidFill>
@@ -9959,7 +9959,7 @@
               </a:ln>
               <a:extLst>
                 <a:ext uri="{91240B29-F687-4f45-9708-019B960494DF}">
-                  <a14:hiddenLine xmlns="" xmlns:a14="http://schemas.microsoft.com/office/drawing/2010/main" w="9525">
+                  <a14:hiddenLine xmlns:a14="http://schemas.microsoft.com/office/drawing/2010/main" xmlns="" w="9525">
                     <a:solidFill>
                       <a:srgbClr val="000000"/>
                     </a:solidFill>
@@ -10043,7 +10043,7 @@
               </a:ln>
               <a:extLst>
                 <a:ext uri="{91240B29-F687-4f45-9708-019B960494DF}">
-                  <a14:hiddenLine xmlns="" xmlns:a14="http://schemas.microsoft.com/office/drawing/2010/main" w="9525">
+                  <a14:hiddenLine xmlns:a14="http://schemas.microsoft.com/office/drawing/2010/main" xmlns="" w="9525">
                     <a:solidFill>
                       <a:srgbClr val="000000"/>
                     </a:solidFill>
@@ -10105,7 +10105,7 @@
               </a:ln>
               <a:extLst>
                 <a:ext uri="{91240B29-F687-4f45-9708-019B960494DF}">
-                  <a14:hiddenLine xmlns="" xmlns:a14="http://schemas.microsoft.com/office/drawing/2010/main" w="9525">
+                  <a14:hiddenLine xmlns:a14="http://schemas.microsoft.com/office/drawing/2010/main" xmlns="" w="9525">
                     <a:solidFill>
                       <a:srgbClr val="000000"/>
                     </a:solidFill>
@@ -10167,7 +10167,7 @@
               </a:ln>
               <a:extLst>
                 <a:ext uri="{91240B29-F687-4f45-9708-019B960494DF}">
-                  <a14:hiddenLine xmlns="" xmlns:a14="http://schemas.microsoft.com/office/drawing/2010/main" w="9525">
+                  <a14:hiddenLine xmlns:a14="http://schemas.microsoft.com/office/drawing/2010/main" xmlns="" w="9525">
                     <a:solidFill>
                       <a:srgbClr val="000000"/>
                     </a:solidFill>
@@ -10257,7 +10257,7 @@
               </a:ln>
               <a:extLst>
                 <a:ext uri="{91240B29-F687-4f45-9708-019B960494DF}">
-                  <a14:hiddenLine xmlns="" xmlns:a14="http://schemas.microsoft.com/office/drawing/2010/main" w="9525">
+                  <a14:hiddenLine xmlns:a14="http://schemas.microsoft.com/office/drawing/2010/main" xmlns="" w="9525">
                     <a:solidFill>
                       <a:srgbClr val="000000"/>
                     </a:solidFill>
@@ -10291,7 +10291,7 @@
               </a:ln>
               <a:extLst>
                 <a:ext uri="{91240B29-F687-4f45-9708-019B960494DF}">
-                  <a14:hiddenLine xmlns="" xmlns:a14="http://schemas.microsoft.com/office/drawing/2010/main" w="9525">
+                  <a14:hiddenLine xmlns:a14="http://schemas.microsoft.com/office/drawing/2010/main" xmlns="" w="9525">
                     <a:solidFill>
                       <a:srgbClr val="000000"/>
                     </a:solidFill>
@@ -10356,7 +10356,7 @@
               </a:ln>
               <a:extLst>
                 <a:ext uri="{91240B29-F687-4f45-9708-019B960494DF}">
-                  <a14:hiddenLine xmlns="" xmlns:a14="http://schemas.microsoft.com/office/drawing/2010/main" w="9525">
+                  <a14:hiddenLine xmlns:a14="http://schemas.microsoft.com/office/drawing/2010/main" xmlns="" w="9525">
                     <a:solidFill>
                       <a:srgbClr val="000000"/>
                     </a:solidFill>
@@ -10446,7 +10446,7 @@
               </a:ln>
               <a:extLst>
                 <a:ext uri="{91240B29-F687-4f45-9708-019B960494DF}">
-                  <a14:hiddenLine xmlns="" xmlns:a14="http://schemas.microsoft.com/office/drawing/2010/main" w="9525">
+                  <a14:hiddenLine xmlns:a14="http://schemas.microsoft.com/office/drawing/2010/main" xmlns="" w="9525">
                     <a:solidFill>
                       <a:srgbClr val="000000"/>
                     </a:solidFill>
@@ -10508,7 +10508,7 @@
               </a:ln>
               <a:extLst>
                 <a:ext uri="{91240B29-F687-4f45-9708-019B960494DF}">
-                  <a14:hiddenLine xmlns="" xmlns:a14="http://schemas.microsoft.com/office/drawing/2010/main" w="9525">
+                  <a14:hiddenLine xmlns:a14="http://schemas.microsoft.com/office/drawing/2010/main" xmlns="" w="9525">
                     <a:solidFill>
                       <a:srgbClr val="000000"/>
                     </a:solidFill>
@@ -10598,7 +10598,7 @@
               </a:ln>
               <a:extLst>
                 <a:ext uri="{91240B29-F687-4f45-9708-019B960494DF}">
-                  <a14:hiddenLine xmlns="" xmlns:a14="http://schemas.microsoft.com/office/drawing/2010/main" w="9525">
+                  <a14:hiddenLine xmlns:a14="http://schemas.microsoft.com/office/drawing/2010/main" xmlns="" w="9525">
                     <a:solidFill>
                       <a:srgbClr val="000000"/>
                     </a:solidFill>
@@ -10663,7 +10663,7 @@
               </a:ln>
               <a:extLst>
                 <a:ext uri="{91240B29-F687-4f45-9708-019B960494DF}">
-                  <a14:hiddenLine xmlns="" xmlns:a14="http://schemas.microsoft.com/office/drawing/2010/main" w="9525">
+                  <a14:hiddenLine xmlns:a14="http://schemas.microsoft.com/office/drawing/2010/main" xmlns="" w="9525">
                     <a:solidFill>
                       <a:srgbClr val="000000"/>
                     </a:solidFill>
@@ -10725,7 +10725,7 @@
               </a:ln>
               <a:extLst>
                 <a:ext uri="{91240B29-F687-4f45-9708-019B960494DF}">
-                  <a14:hiddenLine xmlns="" xmlns:a14="http://schemas.microsoft.com/office/drawing/2010/main" w="9525">
+                  <a14:hiddenLine xmlns:a14="http://schemas.microsoft.com/office/drawing/2010/main" xmlns="" w="9525">
                     <a:solidFill>
                       <a:srgbClr val="000000"/>
                     </a:solidFill>
@@ -10815,7 +10815,7 @@
               </a:ln>
               <a:extLst>
                 <a:ext uri="{91240B29-F687-4f45-9708-019B960494DF}">
-                  <a14:hiddenLine xmlns="" xmlns:a14="http://schemas.microsoft.com/office/drawing/2010/main" w="9525">
+                  <a14:hiddenLine xmlns:a14="http://schemas.microsoft.com/office/drawing/2010/main" xmlns="" w="9525">
                     <a:solidFill>
                       <a:srgbClr val="000000"/>
                     </a:solidFill>
@@ -10905,7 +10905,7 @@
               </a:ln>
               <a:extLst>
                 <a:ext uri="{91240B29-F687-4f45-9708-019B960494DF}">
-                  <a14:hiddenLine xmlns="" xmlns:a14="http://schemas.microsoft.com/office/drawing/2010/main" w="9525">
+                  <a14:hiddenLine xmlns:a14="http://schemas.microsoft.com/office/drawing/2010/main" xmlns="" w="9525">
                     <a:solidFill>
                       <a:srgbClr val="000000"/>
                     </a:solidFill>
@@ -10970,7 +10970,7 @@
               </a:ln>
               <a:extLst>
                 <a:ext uri="{91240B29-F687-4f45-9708-019B960494DF}">
-                  <a14:hiddenLine xmlns="" xmlns:a14="http://schemas.microsoft.com/office/drawing/2010/main" w="9525">
+                  <a14:hiddenLine xmlns:a14="http://schemas.microsoft.com/office/drawing/2010/main" xmlns="" w="9525">
                     <a:solidFill>
                       <a:srgbClr val="000000"/>
                     </a:solidFill>
@@ -11090,7 +11090,7 @@
               </a:ln>
               <a:extLst>
                 <a:ext uri="{91240B29-F687-4f45-9708-019B960494DF}">
-                  <a14:hiddenLine xmlns="" xmlns:a14="http://schemas.microsoft.com/office/drawing/2010/main" w="9525">
+                  <a14:hiddenLine xmlns:a14="http://schemas.microsoft.com/office/drawing/2010/main" xmlns="" w="9525">
                     <a:solidFill>
                       <a:srgbClr val="000000"/>
                     </a:solidFill>
@@ -11171,7 +11171,7 @@
               </a:ln>
               <a:extLst>
                 <a:ext uri="{91240B29-F687-4f45-9708-019B960494DF}">
-                  <a14:hiddenLine xmlns="" xmlns:a14="http://schemas.microsoft.com/office/drawing/2010/main" w="9525">
+                  <a14:hiddenLine xmlns:a14="http://schemas.microsoft.com/office/drawing/2010/main" xmlns="" w="9525">
                     <a:solidFill>
                       <a:srgbClr val="000000"/>
                     </a:solidFill>
@@ -11286,7 +11286,7 @@
               </a:ln>
               <a:extLst>
                 <a:ext uri="{91240B29-F687-4f45-9708-019B960494DF}">
-                  <a14:hiddenLine xmlns="" xmlns:a14="http://schemas.microsoft.com/office/drawing/2010/main" w="9525">
+                  <a14:hiddenLine xmlns:a14="http://schemas.microsoft.com/office/drawing/2010/main" xmlns="" w="9525">
                     <a:solidFill>
                       <a:srgbClr val="000000"/>
                     </a:solidFill>
@@ -11376,7 +11376,7 @@
               </a:ln>
               <a:extLst>
                 <a:ext uri="{91240B29-F687-4f45-9708-019B960494DF}">
-                  <a14:hiddenLine xmlns="" xmlns:a14="http://schemas.microsoft.com/office/drawing/2010/main" w="9525">
+                  <a14:hiddenLine xmlns:a14="http://schemas.microsoft.com/office/drawing/2010/main" xmlns="" w="9525">
                     <a:solidFill>
                       <a:srgbClr val="000000"/>
                     </a:solidFill>
@@ -11441,7 +11441,7 @@
               </a:ln>
               <a:extLst>
                 <a:ext uri="{91240B29-F687-4f45-9708-019B960494DF}">
-                  <a14:hiddenLine xmlns="" xmlns:a14="http://schemas.microsoft.com/office/drawing/2010/main" w="9525">
+                  <a14:hiddenLine xmlns:a14="http://schemas.microsoft.com/office/drawing/2010/main" xmlns="" w="9525">
                     <a:solidFill>
                       <a:srgbClr val="000000"/>
                     </a:solidFill>
@@ -11531,7 +11531,7 @@
               </a:ln>
               <a:extLst>
                 <a:ext uri="{91240B29-F687-4f45-9708-019B960494DF}">
-                  <a14:hiddenLine xmlns="" xmlns:a14="http://schemas.microsoft.com/office/drawing/2010/main" w="9525">
+                  <a14:hiddenLine xmlns:a14="http://schemas.microsoft.com/office/drawing/2010/main" xmlns="" w="9525">
                     <a:solidFill>
                       <a:srgbClr val="000000"/>
                     </a:solidFill>
@@ -11599,7 +11599,7 @@
               </a:ln>
               <a:extLst>
                 <a:ext uri="{91240B29-F687-4f45-9708-019B960494DF}">
-                  <a14:hiddenLine xmlns="" xmlns:a14="http://schemas.microsoft.com/office/drawing/2010/main" w="9525">
+                  <a14:hiddenLine xmlns:a14="http://schemas.microsoft.com/office/drawing/2010/main" xmlns="" w="9525">
                     <a:solidFill>
                       <a:srgbClr val="000000"/>
                     </a:solidFill>
@@ -11689,7 +11689,7 @@
               </a:ln>
               <a:extLst>
                 <a:ext uri="{91240B29-F687-4f45-9708-019B960494DF}">
-                  <a14:hiddenLine xmlns="" xmlns:a14="http://schemas.microsoft.com/office/drawing/2010/main" w="9525">
+                  <a14:hiddenLine xmlns:a14="http://schemas.microsoft.com/office/drawing/2010/main" xmlns="" w="9525">
                     <a:solidFill>
                       <a:srgbClr val="000000"/>
                     </a:solidFill>
@@ -11757,7 +11757,7 @@
               </a:ln>
               <a:extLst>
                 <a:ext uri="{91240B29-F687-4f45-9708-019B960494DF}">
-                  <a14:hiddenLine xmlns="" xmlns:a14="http://schemas.microsoft.com/office/drawing/2010/main" w="9525">
+                  <a14:hiddenLine xmlns:a14="http://schemas.microsoft.com/office/drawing/2010/main" xmlns="" w="9525">
                     <a:solidFill>
                       <a:srgbClr val="000000"/>
                     </a:solidFill>
@@ -11847,7 +11847,7 @@
               </a:ln>
               <a:extLst>
                 <a:ext uri="{91240B29-F687-4f45-9708-019B960494DF}">
-                  <a14:hiddenLine xmlns="" xmlns:a14="http://schemas.microsoft.com/office/drawing/2010/main" w="9525">
+                  <a14:hiddenLine xmlns:a14="http://schemas.microsoft.com/office/drawing/2010/main" xmlns="" w="9525">
                     <a:solidFill>
                       <a:srgbClr val="000000"/>
                     </a:solidFill>
@@ -11881,7 +11881,7 @@
               </a:ln>
               <a:extLst>
                 <a:ext uri="{91240B29-F687-4f45-9708-019B960494DF}">
-                  <a14:hiddenLine xmlns="" xmlns:a14="http://schemas.microsoft.com/office/drawing/2010/main" w="9525">
+                  <a14:hiddenLine xmlns:a14="http://schemas.microsoft.com/office/drawing/2010/main" xmlns="" w="9525">
                     <a:solidFill>
                       <a:srgbClr val="000000"/>
                     </a:solidFill>
@@ -12867,6 +12867,171 @@
   <p:clrMapOvr>
     <a:masterClrMapping/>
   </p:clrMapOvr>
+  <p:timing>
+    <p:tnLst>
+      <p:par>
+        <p:cTn id="1" dur="indefinite" restart="never" nodeType="tmRoot">
+          <p:childTnLst>
+            <p:seq concurrent="1" nextAc="seek">
+              <p:cTn id="2" dur="indefinite" nodeType="mainSeq">
+                <p:childTnLst>
+                  <p:par>
+                    <p:cTn id="3" fill="hold">
+                      <p:stCondLst>
+                        <p:cond delay="indefinite"/>
+                      </p:stCondLst>
+                      <p:childTnLst>
+                        <p:par>
+                          <p:cTn id="4" fill="hold">
+                            <p:stCondLst>
+                              <p:cond delay="0"/>
+                            </p:stCondLst>
+                            <p:childTnLst>
+                              <p:par>
+                                <p:cTn id="5" presetID="1" presetClass="entr" presetSubtype="0" fill="hold" nodeType="clickEffect">
+                                  <p:stCondLst>
+                                    <p:cond delay="0"/>
+                                  </p:stCondLst>
+                                  <p:childTnLst>
+                                    <p:set>
+                                      <p:cBhvr>
+                                        <p:cTn id="6" dur="1" fill="hold">
+                                          <p:stCondLst>
+                                            <p:cond delay="0"/>
+                                          </p:stCondLst>
+                                        </p:cTn>
+                                        <p:tgtEl>
+                                          <p:spTgt spid="4"/>
+                                        </p:tgtEl>
+                                        <p:attrNameLst>
+                                          <p:attrName>style.visibility</p:attrName>
+                                        </p:attrNameLst>
+                                      </p:cBhvr>
+                                      <p:to>
+                                        <p:strVal val="visible"/>
+                                      </p:to>
+                                    </p:set>
+                                  </p:childTnLst>
+                                </p:cTn>
+                              </p:par>
+                            </p:childTnLst>
+                          </p:cTn>
+                        </p:par>
+                      </p:childTnLst>
+                    </p:cTn>
+                  </p:par>
+                  <p:par>
+                    <p:cTn id="7" fill="hold">
+                      <p:stCondLst>
+                        <p:cond delay="indefinite"/>
+                      </p:stCondLst>
+                      <p:childTnLst>
+                        <p:par>
+                          <p:cTn id="8" fill="hold">
+                            <p:stCondLst>
+                              <p:cond delay="0"/>
+                            </p:stCondLst>
+                            <p:childTnLst>
+                              <p:par>
+                                <p:cTn id="9" presetID="1" presetClass="entr" presetSubtype="0" fill="hold" nodeType="clickEffect">
+                                  <p:stCondLst>
+                                    <p:cond delay="0"/>
+                                  </p:stCondLst>
+                                  <p:childTnLst>
+                                    <p:set>
+                                      <p:cBhvr>
+                                        <p:cTn id="10" dur="1" fill="hold">
+                                          <p:stCondLst>
+                                            <p:cond delay="0"/>
+                                          </p:stCondLst>
+                                        </p:cTn>
+                                        <p:tgtEl>
+                                          <p:spTgt spid="6"/>
+                                        </p:tgtEl>
+                                        <p:attrNameLst>
+                                          <p:attrName>style.visibility</p:attrName>
+                                        </p:attrNameLst>
+                                      </p:cBhvr>
+                                      <p:to>
+                                        <p:strVal val="visible"/>
+                                      </p:to>
+                                    </p:set>
+                                  </p:childTnLst>
+                                </p:cTn>
+                              </p:par>
+                            </p:childTnLst>
+                          </p:cTn>
+                        </p:par>
+                      </p:childTnLst>
+                    </p:cTn>
+                  </p:par>
+                  <p:par>
+                    <p:cTn id="11" fill="hold">
+                      <p:stCondLst>
+                        <p:cond delay="indefinite"/>
+                      </p:stCondLst>
+                      <p:childTnLst>
+                        <p:par>
+                          <p:cTn id="12" fill="hold">
+                            <p:stCondLst>
+                              <p:cond delay="0"/>
+                            </p:stCondLst>
+                            <p:childTnLst>
+                              <p:par>
+                                <p:cTn id="13" presetID="1" presetClass="entr" presetSubtype="0" fill="hold" nodeType="clickEffect">
+                                  <p:stCondLst>
+                                    <p:cond delay="0"/>
+                                  </p:stCondLst>
+                                  <p:childTnLst>
+                                    <p:set>
+                                      <p:cBhvr>
+                                        <p:cTn id="14" dur="1" fill="hold">
+                                          <p:stCondLst>
+                                            <p:cond delay="0"/>
+                                          </p:stCondLst>
+                                        </p:cTn>
+                                        <p:tgtEl>
+                                          <p:spTgt spid="8"/>
+                                        </p:tgtEl>
+                                        <p:attrNameLst>
+                                          <p:attrName>style.visibility</p:attrName>
+                                        </p:attrNameLst>
+                                      </p:cBhvr>
+                                      <p:to>
+                                        <p:strVal val="visible"/>
+                                      </p:to>
+                                    </p:set>
+                                  </p:childTnLst>
+                                </p:cTn>
+                              </p:par>
+                            </p:childTnLst>
+                          </p:cTn>
+                        </p:par>
+                      </p:childTnLst>
+                    </p:cTn>
+                  </p:par>
+                </p:childTnLst>
+              </p:cTn>
+              <p:prevCondLst>
+                <p:cond evt="onPrev" delay="0">
+                  <p:tgtEl>
+                    <p:sldTgt/>
+                  </p:tgtEl>
+                </p:cond>
+              </p:prevCondLst>
+              <p:nextCondLst>
+                <p:cond evt="onNext" delay="0">
+                  <p:tgtEl>
+                    <p:sldTgt/>
+                  </p:tgtEl>
+                </p:cond>
+              </p:nextCondLst>
+            </p:seq>
+          </p:childTnLst>
+        </p:cTn>
+      </p:par>
+    </p:tnLst>
+  </p:timing>
 </p:sld>
 </file>
 
@@ -12955,7 +13120,11 @@
               <a:buChar char="•"/>
             </a:pPr>
             <a:r>
-              <a:rPr lang="en-US" sz="4000" dirty="0"/>
+              <a:rPr lang="en-US" sz="4000" dirty="0">
+                <a:solidFill>
+                  <a:srgbClr val="00B0F0"/>
+                </a:solidFill>
+              </a:rPr>
               <a:t>Open Source</a:t>
             </a:r>
           </a:p>
@@ -12964,7 +13133,11 @@
               <a:buFont typeface="Arial" panose="020B0604020202020204" pitchFamily="34" charset="0"/>
               <a:buChar char="•"/>
             </a:pPr>
-            <a:endParaRPr lang="en-US" sz="4000" dirty="0"/>
+            <a:endParaRPr lang="en-US" sz="4000" dirty="0">
+              <a:solidFill>
+                <a:srgbClr val="00B0F0"/>
+              </a:solidFill>
+            </a:endParaRPr>
           </a:p>
           <a:p>
             <a:pPr marL="285750" indent="-285750">
@@ -12972,7 +13145,11 @@
               <a:buChar char="•"/>
             </a:pPr>
             <a:r>
-              <a:rPr lang="en-US" sz="4000" dirty="0"/>
+              <a:rPr lang="en-US" sz="4000" dirty="0">
+                <a:solidFill>
+                  <a:srgbClr val="00B0F0"/>
+                </a:solidFill>
+              </a:rPr>
               <a:t>Built for wide variety of users</a:t>
             </a:r>
           </a:p>
@@ -12982,7 +13159,11 @@
               <a:buChar char="•"/>
             </a:pPr>
             <a:r>
-              <a:rPr lang="en-US" sz="4000" dirty="0"/>
+              <a:rPr lang="en-US" sz="4000" dirty="0">
+                <a:solidFill>
+                  <a:srgbClr val="00B0F0"/>
+                </a:solidFill>
+              </a:rPr>
               <a:t>Prototyping</a:t>
             </a:r>
           </a:p>
@@ -12992,7 +13173,11 @@
               <a:buChar char="•"/>
             </a:pPr>
             <a:r>
-              <a:rPr lang="en-US" sz="4000" dirty="0"/>
+              <a:rPr lang="en-US" sz="4000" dirty="0">
+                <a:solidFill>
+                  <a:srgbClr val="00B0F0"/>
+                </a:solidFill>
+              </a:rPr>
               <a:t>Hobbyists</a:t>
             </a:r>
           </a:p>
@@ -13001,7 +13186,11 @@
               <a:buFont typeface="Arial" panose="020B0604020202020204" pitchFamily="34" charset="0"/>
               <a:buChar char="•"/>
             </a:pPr>
-            <a:endParaRPr lang="en-US" sz="4000" dirty="0"/>
+            <a:endParaRPr lang="en-US" sz="4000" dirty="0">
+              <a:solidFill>
+                <a:srgbClr val="00B0F0"/>
+              </a:solidFill>
+            </a:endParaRPr>
           </a:p>
           <a:p>
             <a:pPr marL="285750" indent="-285750">
@@ -13009,7 +13198,11 @@
               <a:buChar char="•"/>
             </a:pPr>
             <a:r>
-              <a:rPr lang="en-US" sz="4000" dirty="0"/>
+              <a:rPr lang="en-US" sz="4000" dirty="0">
+                <a:solidFill>
+                  <a:srgbClr val="00B0F0"/>
+                </a:solidFill>
+              </a:rPr>
               <a:t>Founded in the Interaction Design Institute Design (IDII) in Ivrea, Italy</a:t>
             </a:r>
           </a:p>
@@ -13039,6 +13232,281 @@
   <p:clrMapOvr>
     <a:masterClrMapping/>
   </p:clrMapOvr>
+  <p:timing>
+    <p:tnLst>
+      <p:par>
+        <p:cTn id="1" dur="indefinite" restart="never" nodeType="tmRoot">
+          <p:childTnLst>
+            <p:seq concurrent="1" nextAc="seek">
+              <p:cTn id="2" dur="indefinite" nodeType="mainSeq">
+                <p:childTnLst>
+                  <p:par>
+                    <p:cTn id="3" fill="hold">
+                      <p:stCondLst>
+                        <p:cond delay="indefinite"/>
+                      </p:stCondLst>
+                      <p:childTnLst>
+                        <p:par>
+                          <p:cTn id="4" fill="hold">
+                            <p:stCondLst>
+                              <p:cond delay="0"/>
+                            </p:stCondLst>
+                            <p:childTnLst>
+                              <p:par>
+                                <p:cTn id="5" presetID="1" presetClass="entr" presetSubtype="0" fill="hold" nodeType="clickEffect">
+                                  <p:stCondLst>
+                                    <p:cond delay="0"/>
+                                  </p:stCondLst>
+                                  <p:childTnLst>
+                                    <p:set>
+                                      <p:cBhvr>
+                                        <p:cTn id="6" dur="1" fill="hold">
+                                          <p:stCondLst>
+                                            <p:cond delay="0"/>
+                                          </p:stCondLst>
+                                        </p:cTn>
+                                        <p:tgtEl>
+                                          <p:spTgt spid="5">
+                                            <p:txEl>
+                                              <p:pRg st="0" end="0"/>
+                                            </p:txEl>
+                                          </p:spTgt>
+                                        </p:tgtEl>
+                                        <p:attrNameLst>
+                                          <p:attrName>style.visibility</p:attrName>
+                                        </p:attrNameLst>
+                                      </p:cBhvr>
+                                      <p:to>
+                                        <p:strVal val="visible"/>
+                                      </p:to>
+                                    </p:set>
+                                  </p:childTnLst>
+                                </p:cTn>
+                              </p:par>
+                            </p:childTnLst>
+                          </p:cTn>
+                        </p:par>
+                      </p:childTnLst>
+                    </p:cTn>
+                  </p:par>
+                  <p:par>
+                    <p:cTn id="7" fill="hold">
+                      <p:stCondLst>
+                        <p:cond delay="indefinite"/>
+                      </p:stCondLst>
+                      <p:childTnLst>
+                        <p:par>
+                          <p:cTn id="8" fill="hold">
+                            <p:stCondLst>
+                              <p:cond delay="0"/>
+                            </p:stCondLst>
+                            <p:childTnLst>
+                              <p:par>
+                                <p:cTn id="9" presetID="1" presetClass="entr" presetSubtype="0" fill="hold" nodeType="clickEffect">
+                                  <p:stCondLst>
+                                    <p:cond delay="0"/>
+                                  </p:stCondLst>
+                                  <p:childTnLst>
+                                    <p:set>
+                                      <p:cBhvr>
+                                        <p:cTn id="10" dur="1" fill="hold">
+                                          <p:stCondLst>
+                                            <p:cond delay="0"/>
+                                          </p:stCondLst>
+                                        </p:cTn>
+                                        <p:tgtEl>
+                                          <p:spTgt spid="5">
+                                            <p:txEl>
+                                              <p:pRg st="2" end="2"/>
+                                            </p:txEl>
+                                          </p:spTgt>
+                                        </p:tgtEl>
+                                        <p:attrNameLst>
+                                          <p:attrName>style.visibility</p:attrName>
+                                        </p:attrNameLst>
+                                      </p:cBhvr>
+                                      <p:to>
+                                        <p:strVal val="visible"/>
+                                      </p:to>
+                                    </p:set>
+                                  </p:childTnLst>
+                                </p:cTn>
+                              </p:par>
+                            </p:childTnLst>
+                          </p:cTn>
+                        </p:par>
+                      </p:childTnLst>
+                    </p:cTn>
+                  </p:par>
+                  <p:par>
+                    <p:cTn id="11" fill="hold">
+                      <p:stCondLst>
+                        <p:cond delay="indefinite"/>
+                      </p:stCondLst>
+                      <p:childTnLst>
+                        <p:par>
+                          <p:cTn id="12" fill="hold">
+                            <p:stCondLst>
+                              <p:cond delay="0"/>
+                            </p:stCondLst>
+                            <p:childTnLst>
+                              <p:par>
+                                <p:cTn id="13" presetID="1" presetClass="entr" presetSubtype="0" fill="hold" nodeType="clickEffect">
+                                  <p:stCondLst>
+                                    <p:cond delay="0"/>
+                                  </p:stCondLst>
+                                  <p:childTnLst>
+                                    <p:set>
+                                      <p:cBhvr>
+                                        <p:cTn id="14" dur="1" fill="hold">
+                                          <p:stCondLst>
+                                            <p:cond delay="0"/>
+                                          </p:stCondLst>
+                                        </p:cTn>
+                                        <p:tgtEl>
+                                          <p:spTgt spid="5">
+                                            <p:txEl>
+                                              <p:pRg st="3" end="3"/>
+                                            </p:txEl>
+                                          </p:spTgt>
+                                        </p:tgtEl>
+                                        <p:attrNameLst>
+                                          <p:attrName>style.visibility</p:attrName>
+                                        </p:attrNameLst>
+                                      </p:cBhvr>
+                                      <p:to>
+                                        <p:strVal val="visible"/>
+                                      </p:to>
+                                    </p:set>
+                                  </p:childTnLst>
+                                </p:cTn>
+                              </p:par>
+                            </p:childTnLst>
+                          </p:cTn>
+                        </p:par>
+                      </p:childTnLst>
+                    </p:cTn>
+                  </p:par>
+                  <p:par>
+                    <p:cTn id="15" fill="hold">
+                      <p:stCondLst>
+                        <p:cond delay="indefinite"/>
+                      </p:stCondLst>
+                      <p:childTnLst>
+                        <p:par>
+                          <p:cTn id="16" fill="hold">
+                            <p:stCondLst>
+                              <p:cond delay="0"/>
+                            </p:stCondLst>
+                            <p:childTnLst>
+                              <p:par>
+                                <p:cTn id="17" presetID="1" presetClass="entr" presetSubtype="0" fill="hold" nodeType="clickEffect">
+                                  <p:stCondLst>
+                                    <p:cond delay="0"/>
+                                  </p:stCondLst>
+                                  <p:childTnLst>
+                                    <p:set>
+                                      <p:cBhvr>
+                                        <p:cTn id="18" dur="1" fill="hold">
+                                          <p:stCondLst>
+                                            <p:cond delay="0"/>
+                                          </p:stCondLst>
+                                        </p:cTn>
+                                        <p:tgtEl>
+                                          <p:spTgt spid="5">
+                                            <p:txEl>
+                                              <p:pRg st="4" end="4"/>
+                                            </p:txEl>
+                                          </p:spTgt>
+                                        </p:tgtEl>
+                                        <p:attrNameLst>
+                                          <p:attrName>style.visibility</p:attrName>
+                                        </p:attrNameLst>
+                                      </p:cBhvr>
+                                      <p:to>
+                                        <p:strVal val="visible"/>
+                                      </p:to>
+                                    </p:set>
+                                  </p:childTnLst>
+                                </p:cTn>
+                              </p:par>
+                            </p:childTnLst>
+                          </p:cTn>
+                        </p:par>
+                      </p:childTnLst>
+                    </p:cTn>
+                  </p:par>
+                  <p:par>
+                    <p:cTn id="19" fill="hold">
+                      <p:stCondLst>
+                        <p:cond delay="indefinite"/>
+                      </p:stCondLst>
+                      <p:childTnLst>
+                        <p:par>
+                          <p:cTn id="20" fill="hold">
+                            <p:stCondLst>
+                              <p:cond delay="0"/>
+                            </p:stCondLst>
+                            <p:childTnLst>
+                              <p:par>
+                                <p:cTn id="21" presetID="1" presetClass="entr" presetSubtype="0" fill="hold" nodeType="clickEffect">
+                                  <p:stCondLst>
+                                    <p:cond delay="0"/>
+                                  </p:stCondLst>
+                                  <p:childTnLst>
+                                    <p:set>
+                                      <p:cBhvr>
+                                        <p:cTn id="22" dur="1" fill="hold">
+                                          <p:stCondLst>
+                                            <p:cond delay="0"/>
+                                          </p:stCondLst>
+                                        </p:cTn>
+                                        <p:tgtEl>
+                                          <p:spTgt spid="5">
+                                            <p:txEl>
+                                              <p:pRg st="6" end="6"/>
+                                            </p:txEl>
+                                          </p:spTgt>
+                                        </p:tgtEl>
+                                        <p:attrNameLst>
+                                          <p:attrName>style.visibility</p:attrName>
+                                        </p:attrNameLst>
+                                      </p:cBhvr>
+                                      <p:to>
+                                        <p:strVal val="visible"/>
+                                      </p:to>
+                                    </p:set>
+                                  </p:childTnLst>
+                                </p:cTn>
+                              </p:par>
+                            </p:childTnLst>
+                          </p:cTn>
+                        </p:par>
+                      </p:childTnLst>
+                    </p:cTn>
+                  </p:par>
+                </p:childTnLst>
+              </p:cTn>
+              <p:prevCondLst>
+                <p:cond evt="onPrev" delay="0">
+                  <p:tgtEl>
+                    <p:sldTgt/>
+                  </p:tgtEl>
+                </p:cond>
+              </p:prevCondLst>
+              <p:nextCondLst>
+                <p:cond evt="onNext" delay="0">
+                  <p:tgtEl>
+                    <p:sldTgt/>
+                  </p:tgtEl>
+                </p:cond>
+              </p:nextCondLst>
+            </p:seq>
+          </p:childTnLst>
+        </p:cTn>
+      </p:par>
+    </p:tnLst>
+  </p:timing>
 </p:sld>
 </file>
 
@@ -13489,7 +13957,11 @@
               <a:buChar char="•"/>
             </a:pPr>
             <a:r>
-              <a:rPr lang="en-US" sz="4000" dirty="0"/>
+              <a:rPr lang="en-US" sz="4000" dirty="0">
+                <a:solidFill>
+                  <a:srgbClr val="00B0F0"/>
+                </a:solidFill>
+              </a:rPr>
               <a:t>Analog: any value between 0V – 5V</a:t>
             </a:r>
           </a:p>
@@ -13498,7 +13970,11 @@
               <a:buFont typeface="Arial" panose="020B0604020202020204" pitchFamily="34" charset="0"/>
               <a:buChar char="•"/>
             </a:pPr>
-            <a:endParaRPr lang="en-US" sz="4000" dirty="0"/>
+            <a:endParaRPr lang="en-US" sz="4000" dirty="0">
+              <a:solidFill>
+                <a:srgbClr val="00B0F0"/>
+              </a:solidFill>
+            </a:endParaRPr>
           </a:p>
           <a:p>
             <a:pPr marL="285750" indent="-285750">
@@ -13506,7 +13982,11 @@
               <a:buChar char="•"/>
             </a:pPr>
             <a:r>
-              <a:rPr lang="en-US" sz="4000" dirty="0"/>
+              <a:rPr lang="en-US" sz="4000" dirty="0">
+                <a:solidFill>
+                  <a:srgbClr val="00B0F0"/>
+                </a:solidFill>
+              </a:rPr>
               <a:t>Digital: Only 0V(Logic Low/ ‘0’) or 5V(Logic High/ ‘1’)</a:t>
             </a:r>
           </a:p>
@@ -13529,6 +14009,134 @@
   <p:clrMapOvr>
     <a:masterClrMapping/>
   </p:clrMapOvr>
+  <p:timing>
+    <p:tnLst>
+      <p:par>
+        <p:cTn id="1" dur="indefinite" restart="never" nodeType="tmRoot">
+          <p:childTnLst>
+            <p:seq concurrent="1" nextAc="seek">
+              <p:cTn id="2" dur="indefinite" nodeType="mainSeq">
+                <p:childTnLst>
+                  <p:par>
+                    <p:cTn id="3" fill="hold">
+                      <p:stCondLst>
+                        <p:cond delay="indefinite"/>
+                      </p:stCondLst>
+                      <p:childTnLst>
+                        <p:par>
+                          <p:cTn id="4" fill="hold">
+                            <p:stCondLst>
+                              <p:cond delay="0"/>
+                            </p:stCondLst>
+                            <p:childTnLst>
+                              <p:par>
+                                <p:cTn id="5" presetID="1" presetClass="entr" presetSubtype="0" fill="hold" nodeType="clickEffect">
+                                  <p:stCondLst>
+                                    <p:cond delay="0"/>
+                                  </p:stCondLst>
+                                  <p:childTnLst>
+                                    <p:set>
+                                      <p:cBhvr>
+                                        <p:cTn id="6" dur="1" fill="hold">
+                                          <p:stCondLst>
+                                            <p:cond delay="0"/>
+                                          </p:stCondLst>
+                                        </p:cTn>
+                                        <p:tgtEl>
+                                          <p:spTgt spid="8">
+                                            <p:txEl>
+                                              <p:pRg st="0" end="0"/>
+                                            </p:txEl>
+                                          </p:spTgt>
+                                        </p:tgtEl>
+                                        <p:attrNameLst>
+                                          <p:attrName>style.visibility</p:attrName>
+                                        </p:attrNameLst>
+                                      </p:cBhvr>
+                                      <p:to>
+                                        <p:strVal val="visible"/>
+                                      </p:to>
+                                    </p:set>
+                                  </p:childTnLst>
+                                </p:cTn>
+                              </p:par>
+                            </p:childTnLst>
+                          </p:cTn>
+                        </p:par>
+                      </p:childTnLst>
+                    </p:cTn>
+                  </p:par>
+                  <p:par>
+                    <p:cTn id="7" fill="hold">
+                      <p:stCondLst>
+                        <p:cond delay="indefinite"/>
+                      </p:stCondLst>
+                      <p:childTnLst>
+                        <p:par>
+                          <p:cTn id="8" fill="hold">
+                            <p:stCondLst>
+                              <p:cond delay="0"/>
+                            </p:stCondLst>
+                            <p:childTnLst>
+                              <p:par>
+                                <p:cTn id="9" presetID="1" presetClass="entr" presetSubtype="0" fill="hold" nodeType="clickEffect">
+                                  <p:stCondLst>
+                                    <p:cond delay="0"/>
+                                  </p:stCondLst>
+                                  <p:childTnLst>
+                                    <p:set>
+                                      <p:cBhvr>
+                                        <p:cTn id="10" dur="1" fill="hold">
+                                          <p:stCondLst>
+                                            <p:cond delay="0"/>
+                                          </p:stCondLst>
+                                        </p:cTn>
+                                        <p:tgtEl>
+                                          <p:spTgt spid="8">
+                                            <p:txEl>
+                                              <p:pRg st="2" end="2"/>
+                                            </p:txEl>
+                                          </p:spTgt>
+                                        </p:tgtEl>
+                                        <p:attrNameLst>
+                                          <p:attrName>style.visibility</p:attrName>
+                                        </p:attrNameLst>
+                                      </p:cBhvr>
+                                      <p:to>
+                                        <p:strVal val="visible"/>
+                                      </p:to>
+                                    </p:set>
+                                  </p:childTnLst>
+                                </p:cTn>
+                              </p:par>
+                            </p:childTnLst>
+                          </p:cTn>
+                        </p:par>
+                      </p:childTnLst>
+                    </p:cTn>
+                  </p:par>
+                </p:childTnLst>
+              </p:cTn>
+              <p:prevCondLst>
+                <p:cond evt="onPrev" delay="0">
+                  <p:tgtEl>
+                    <p:sldTgt/>
+                  </p:tgtEl>
+                </p:cond>
+              </p:prevCondLst>
+              <p:nextCondLst>
+                <p:cond evt="onNext" delay="0">
+                  <p:tgtEl>
+                    <p:sldTgt/>
+                  </p:tgtEl>
+                </p:cond>
+              </p:nextCondLst>
+            </p:seq>
+          </p:childTnLst>
+        </p:cTn>
+      </p:par>
+    </p:tnLst>
+  </p:timing>
 </p:sld>
 </file>
 
@@ -13636,11 +14244,19 @@
               <a:buChar char="•"/>
             </a:pPr>
             <a:r>
-              <a:rPr lang="en-US" sz="4000" dirty="0" err="1"/>
+              <a:rPr lang="en-US" sz="4000" dirty="0" err="1">
+                <a:solidFill>
+                  <a:srgbClr val="00B0F0"/>
+                </a:solidFill>
+              </a:rPr>
               <a:t>pinMode</a:t>
             </a:r>
             <a:r>
-              <a:rPr lang="en-US" sz="4000" dirty="0"/>
+              <a:rPr lang="en-US" sz="4000" dirty="0">
+                <a:solidFill>
+                  <a:srgbClr val="00B0F0"/>
+                </a:solidFill>
+              </a:rPr>
               <a:t>(pin, mode)</a:t>
             </a:r>
           </a:p>
@@ -13650,7 +14266,11 @@
               <a:buChar char="•"/>
             </a:pPr>
             <a:r>
-              <a:rPr lang="en-US" sz="4000" dirty="0"/>
+              <a:rPr lang="en-US" sz="4000" dirty="0">
+                <a:solidFill>
+                  <a:srgbClr val="00B0F0"/>
+                </a:solidFill>
+              </a:rPr>
               <a:t>Mode: INPUT, INPUT_PULLUP, OUTPUT</a:t>
             </a:r>
           </a:p>
@@ -13659,7 +14279,11 @@
               <a:buFont typeface="Arial" panose="020B0604020202020204" pitchFamily="34" charset="0"/>
               <a:buChar char="•"/>
             </a:pPr>
-            <a:endParaRPr lang="en-US" sz="4000" dirty="0"/>
+            <a:endParaRPr lang="en-US" sz="4000" dirty="0">
+              <a:solidFill>
+                <a:srgbClr val="00B0F0"/>
+              </a:solidFill>
+            </a:endParaRPr>
           </a:p>
           <a:p>
             <a:pPr marL="285750" indent="-285750">
@@ -13667,11 +14291,19 @@
               <a:buChar char="•"/>
             </a:pPr>
             <a:r>
-              <a:rPr lang="en-US" sz="4000" dirty="0" err="1"/>
+              <a:rPr lang="en-US" sz="4000" dirty="0" err="1">
+                <a:solidFill>
+                  <a:srgbClr val="00B0F0"/>
+                </a:solidFill>
+              </a:rPr>
               <a:t>digitalWrite</a:t>
             </a:r>
             <a:r>
-              <a:rPr lang="en-US" sz="4000" dirty="0"/>
+              <a:rPr lang="en-US" sz="4000" dirty="0">
+                <a:solidFill>
+                  <a:srgbClr val="00B0F0"/>
+                </a:solidFill>
+              </a:rPr>
               <a:t>(pin, value)</a:t>
             </a:r>
           </a:p>
@@ -13681,7 +14313,11 @@
               <a:buChar char="•"/>
             </a:pPr>
             <a:r>
-              <a:rPr lang="en-US" sz="4000" dirty="0"/>
+              <a:rPr lang="en-US" sz="4000" dirty="0">
+                <a:solidFill>
+                  <a:srgbClr val="00B0F0"/>
+                </a:solidFill>
+              </a:rPr>
               <a:t>Value: HIGH, LOW</a:t>
             </a:r>
           </a:p>
@@ -13690,7 +14326,11 @@
               <a:buFont typeface="Arial" panose="020B0604020202020204" pitchFamily="34" charset="0"/>
               <a:buChar char="•"/>
             </a:pPr>
-            <a:endParaRPr lang="en-US" sz="4000" dirty="0"/>
+            <a:endParaRPr lang="en-US" sz="4000" dirty="0">
+              <a:solidFill>
+                <a:srgbClr val="00B0F0"/>
+              </a:solidFill>
+            </a:endParaRPr>
           </a:p>
           <a:p>
             <a:pPr marL="285750" indent="-285750">
@@ -13698,15 +14338,27 @@
               <a:buChar char="•"/>
             </a:pPr>
             <a:r>
-              <a:rPr lang="en-US" sz="4000" dirty="0"/>
+              <a:rPr lang="en-US" sz="4000" dirty="0">
+                <a:solidFill>
+                  <a:srgbClr val="00B0F0"/>
+                </a:solidFill>
+              </a:rPr>
               <a:t>delay(</a:t>
             </a:r>
             <a:r>
-              <a:rPr lang="en-US" sz="4000" dirty="0" err="1"/>
+              <a:rPr lang="en-US" sz="4000" dirty="0" err="1">
+                <a:solidFill>
+                  <a:srgbClr val="00B0F0"/>
+                </a:solidFill>
+              </a:rPr>
               <a:t>ms</a:t>
             </a:r>
             <a:r>
-              <a:rPr lang="en-US" sz="4000" dirty="0"/>
+              <a:rPr lang="en-US" sz="4000" dirty="0">
+                <a:solidFill>
+                  <a:srgbClr val="00B0F0"/>
+                </a:solidFill>
+              </a:rPr>
               <a:t>)</a:t>
             </a:r>
           </a:p>
@@ -13736,6 +14388,245 @@
   <p:clrMapOvr>
     <a:masterClrMapping/>
   </p:clrMapOvr>
+  <p:timing>
+    <p:tnLst>
+      <p:par>
+        <p:cTn id="1" dur="indefinite" restart="never" nodeType="tmRoot">
+          <p:childTnLst>
+            <p:seq concurrent="1" nextAc="seek">
+              <p:cTn id="2" dur="indefinite" nodeType="mainSeq">
+                <p:childTnLst>
+                  <p:par>
+                    <p:cTn id="3" fill="hold">
+                      <p:stCondLst>
+                        <p:cond delay="indefinite"/>
+                      </p:stCondLst>
+                      <p:childTnLst>
+                        <p:par>
+                          <p:cTn id="4" fill="hold">
+                            <p:stCondLst>
+                              <p:cond delay="0"/>
+                            </p:stCondLst>
+                            <p:childTnLst>
+                              <p:par>
+                                <p:cTn id="5" presetID="1" presetClass="entr" presetSubtype="0" fill="hold" nodeType="clickEffect">
+                                  <p:stCondLst>
+                                    <p:cond delay="0"/>
+                                  </p:stCondLst>
+                                  <p:childTnLst>
+                                    <p:set>
+                                      <p:cBhvr>
+                                        <p:cTn id="6" dur="1" fill="hold">
+                                          <p:stCondLst>
+                                            <p:cond delay="0"/>
+                                          </p:stCondLst>
+                                        </p:cTn>
+                                        <p:tgtEl>
+                                          <p:spTgt spid="5">
+                                            <p:txEl>
+                                              <p:pRg st="0" end="0"/>
+                                            </p:txEl>
+                                          </p:spTgt>
+                                        </p:tgtEl>
+                                        <p:attrNameLst>
+                                          <p:attrName>style.visibility</p:attrName>
+                                        </p:attrNameLst>
+                                      </p:cBhvr>
+                                      <p:to>
+                                        <p:strVal val="visible"/>
+                                      </p:to>
+                                    </p:set>
+                                  </p:childTnLst>
+                                </p:cTn>
+                              </p:par>
+                              <p:par>
+                                <p:cTn id="7" presetID="1" presetClass="entr" presetSubtype="0" fill="hold" nodeType="withEffect">
+                                  <p:stCondLst>
+                                    <p:cond delay="0"/>
+                                  </p:stCondLst>
+                                  <p:childTnLst>
+                                    <p:set>
+                                      <p:cBhvr>
+                                        <p:cTn id="8" dur="1" fill="hold">
+                                          <p:stCondLst>
+                                            <p:cond delay="0"/>
+                                          </p:stCondLst>
+                                        </p:cTn>
+                                        <p:tgtEl>
+                                          <p:spTgt spid="5">
+                                            <p:txEl>
+                                              <p:pRg st="1" end="1"/>
+                                            </p:txEl>
+                                          </p:spTgt>
+                                        </p:tgtEl>
+                                        <p:attrNameLst>
+                                          <p:attrName>style.visibility</p:attrName>
+                                        </p:attrNameLst>
+                                      </p:cBhvr>
+                                      <p:to>
+                                        <p:strVal val="visible"/>
+                                      </p:to>
+                                    </p:set>
+                                  </p:childTnLst>
+                                </p:cTn>
+                              </p:par>
+                            </p:childTnLst>
+                          </p:cTn>
+                        </p:par>
+                      </p:childTnLst>
+                    </p:cTn>
+                  </p:par>
+                  <p:par>
+                    <p:cTn id="9" fill="hold">
+                      <p:stCondLst>
+                        <p:cond delay="indefinite"/>
+                      </p:stCondLst>
+                      <p:childTnLst>
+                        <p:par>
+                          <p:cTn id="10" fill="hold">
+                            <p:stCondLst>
+                              <p:cond delay="0"/>
+                            </p:stCondLst>
+                            <p:childTnLst>
+                              <p:par>
+                                <p:cTn id="11" presetID="1" presetClass="entr" presetSubtype="0" fill="hold" nodeType="clickEffect">
+                                  <p:stCondLst>
+                                    <p:cond delay="0"/>
+                                  </p:stCondLst>
+                                  <p:childTnLst>
+                                    <p:set>
+                                      <p:cBhvr>
+                                        <p:cTn id="12" dur="1" fill="hold">
+                                          <p:stCondLst>
+                                            <p:cond delay="0"/>
+                                          </p:stCondLst>
+                                        </p:cTn>
+                                        <p:tgtEl>
+                                          <p:spTgt spid="5">
+                                            <p:txEl>
+                                              <p:pRg st="3" end="3"/>
+                                            </p:txEl>
+                                          </p:spTgt>
+                                        </p:tgtEl>
+                                        <p:attrNameLst>
+                                          <p:attrName>style.visibility</p:attrName>
+                                        </p:attrNameLst>
+                                      </p:cBhvr>
+                                      <p:to>
+                                        <p:strVal val="visible"/>
+                                      </p:to>
+                                    </p:set>
+                                  </p:childTnLst>
+                                </p:cTn>
+                              </p:par>
+                              <p:par>
+                                <p:cTn id="13" presetID="1" presetClass="entr" presetSubtype="0" fill="hold" nodeType="withEffect">
+                                  <p:stCondLst>
+                                    <p:cond delay="0"/>
+                                  </p:stCondLst>
+                                  <p:childTnLst>
+                                    <p:set>
+                                      <p:cBhvr>
+                                        <p:cTn id="14" dur="1" fill="hold">
+                                          <p:stCondLst>
+                                            <p:cond delay="0"/>
+                                          </p:stCondLst>
+                                        </p:cTn>
+                                        <p:tgtEl>
+                                          <p:spTgt spid="5">
+                                            <p:txEl>
+                                              <p:pRg st="4" end="4"/>
+                                            </p:txEl>
+                                          </p:spTgt>
+                                        </p:tgtEl>
+                                        <p:attrNameLst>
+                                          <p:attrName>style.visibility</p:attrName>
+                                        </p:attrNameLst>
+                                      </p:cBhvr>
+                                      <p:to>
+                                        <p:strVal val="visible"/>
+                                      </p:to>
+                                    </p:set>
+                                  </p:childTnLst>
+                                </p:cTn>
+                              </p:par>
+                            </p:childTnLst>
+                          </p:cTn>
+                        </p:par>
+                      </p:childTnLst>
+                    </p:cTn>
+                  </p:par>
+                  <p:par>
+                    <p:cTn id="15" fill="hold">
+                      <p:stCondLst>
+                        <p:cond delay="indefinite"/>
+                      </p:stCondLst>
+                      <p:childTnLst>
+                        <p:par>
+                          <p:cTn id="16" fill="hold">
+                            <p:stCondLst>
+                              <p:cond delay="0"/>
+                            </p:stCondLst>
+                            <p:childTnLst>
+                              <p:par>
+                                <p:cTn id="17" presetID="1" presetClass="entr" presetSubtype="0" fill="hold" nodeType="clickEffect">
+                                  <p:stCondLst>
+                                    <p:cond delay="0"/>
+                                  </p:stCondLst>
+                                  <p:childTnLst>
+                                    <p:set>
+                                      <p:cBhvr>
+                                        <p:cTn id="18" dur="1" fill="hold">
+                                          <p:stCondLst>
+                                            <p:cond delay="0"/>
+                                          </p:stCondLst>
+                                        </p:cTn>
+                                        <p:tgtEl>
+                                          <p:spTgt spid="5">
+                                            <p:txEl>
+                                              <p:pRg st="6" end="6"/>
+                                            </p:txEl>
+                                          </p:spTgt>
+                                        </p:tgtEl>
+                                        <p:attrNameLst>
+                                          <p:attrName>style.visibility</p:attrName>
+                                        </p:attrNameLst>
+                                      </p:cBhvr>
+                                      <p:to>
+                                        <p:strVal val="visible"/>
+                                      </p:to>
+                                    </p:set>
+                                  </p:childTnLst>
+                                </p:cTn>
+                              </p:par>
+                            </p:childTnLst>
+                          </p:cTn>
+                        </p:par>
+                      </p:childTnLst>
+                    </p:cTn>
+                  </p:par>
+                </p:childTnLst>
+              </p:cTn>
+              <p:prevCondLst>
+                <p:cond evt="onPrev" delay="0">
+                  <p:tgtEl>
+                    <p:sldTgt/>
+                  </p:tgtEl>
+                </p:cond>
+              </p:prevCondLst>
+              <p:nextCondLst>
+                <p:cond evt="onNext" delay="0">
+                  <p:tgtEl>
+                    <p:sldTgt/>
+                  </p:tgtEl>
+                </p:cond>
+              </p:nextCondLst>
+            </p:seq>
+          </p:childTnLst>
+        </p:cTn>
+      </p:par>
+    </p:tnLst>
+  </p:timing>
 </p:sld>
 </file>
 
